--- a/pptx_engine/templates/bull-bear/cover-hero.pptx
+++ b/pptx_engine/templates/bull-bear/cover-hero.pptx
@@ -3088,40 +3088,16 @@
         <p:nvPr/>
       </p:nvGrpSpPr>
       <p:grpSpPr/>
-      <p:pic>
-        <p:nvPicPr>
-          <p:cNvPr id="2" name="Picture 1" descr="slide_01.png"/>
-          <p:cNvPicPr>
-            <a:picLocks noChangeAspect="1"/>
-          </p:cNvPicPr>
+      <p:sp>
+        <p:nvSpPr>
+          <p:cNvPr id="2" name="TextBox 1"/>
+          <p:cNvSpPr txBox="1"/>
           <p:nvPr/>
-        </p:nvPicPr>
-        <p:blipFill>
-          <a:blip r:embed="rId2"/>
-          <a:stretch>
-            <a:fillRect/>
-          </a:stretch>
-        </p:blipFill>
+        </p:nvSpPr>
         <p:spPr>
           <a:xfrm>
-            <a:off x="0" y="0"/>
-            <a:ext cx="24384030" cy="13716000"/>
-          </a:xfrm>
-          <a:prstGeom prst="rect">
-            <a:avLst/>
-          </a:prstGeom>
-        </p:spPr>
-      </p:pic>
-      <p:sp>
-        <p:nvSpPr>
-          <p:cNvPr id="3" name="main_title"/>
-          <p:cNvSpPr txBox="1"/>
-          <p:nvPr/>
-        </p:nvSpPr>
-        <p:spPr>
-          <a:xfrm>
-            <a:off x="365760" y="2286000"/>
-            <a:ext cx="5943600" cy="2560320"/>
+            <a:off x="1681398" y="5892759"/>
+            <a:ext cx="10510662" cy="3556010"/>
           </a:xfrm>
           <a:prstGeom prst="rect">
             <a:avLst/>
@@ -3136,36 +3112,167 @@
           <a:p>
             <a:pPr algn="l"/>
             <a:r>
-              <a:rPr sz="7200" b="1">
+              <a:rPr sz="13000" b="0" i="0">
                 <a:solidFill>
-                  <a:srgbClr val="212121"/>
+                  <a:srgbClr val="000000"/>
                 </a:solidFill>
                 <a:latin typeface="Rajdhani"/>
               </a:rPr>
-              <a:t>{{main_title}}</a:t>
-            </a:r>
-          </a:p>
-        </p:txBody>
-      </p:sp>
-      <p:sp>
-        <p:nvSpPr>
-          <p:cNvPr id="4" name="hero_image"/>
+              <a:t>bull bear strategy</a:t>
+            </a:r>
+          </a:p>
+        </p:txBody>
+      </p:sp>
+      <p:sp>
+        <p:nvSpPr>
+          <p:cNvPr id="3" name="image_placeholder"/>
           <p:cNvSpPr/>
           <p:nvPr/>
         </p:nvSpPr>
         <p:spPr>
           <a:xfrm>
-            <a:off x="6217920" y="1097280"/>
-            <a:ext cx="5577840" cy="5303520"/>
+            <a:off x="9138605" y="1800087"/>
+            <a:ext cx="15245425" cy="11276472"/>
           </a:xfrm>
           <a:prstGeom prst="rect">
             <a:avLst/>
           </a:prstGeom>
           <a:noFill/>
-          <a:ln w="12700">
+          <a:ln w="6350">
             <a:solidFill>
-              <a:srgbClr val="FEC00F"/>
+              <a:srgbClr val="CCCCCC"/>
             </a:solidFill>
+            <a:prstDash val="sysDash"/>
+          </a:ln>
+        </p:spPr>
+        <p:style>
+          <a:lnRef idx="1">
+            <a:schemeClr val="accent1"/>
+          </a:lnRef>
+          <a:fillRef idx="3">
+            <a:schemeClr val="accent1"/>
+          </a:fillRef>
+          <a:effectRef idx="2">
+            <a:schemeClr val="accent1"/>
+          </a:effectRef>
+          <a:fontRef idx="minor">
+            <a:schemeClr val="lt1"/>
+          </a:fontRef>
+        </p:style>
+        <p:txBody>
+          <a:bodyPr rtlCol="0" anchor="ctr"/>
+          <a:lstStyle/>
+          <a:p>
+            <a:pPr algn="ctr"/>
+          </a:p>
+        </p:txBody>
+      </p:sp>
+      <p:sp>
+        <p:nvSpPr>
+          <p:cNvPr id="4" name="image_placeholder"/>
+          <p:cNvSpPr/>
+          <p:nvPr/>
+        </p:nvSpPr>
+        <p:spPr>
+          <a:xfrm>
+            <a:off x="1046073" y="842345"/>
+            <a:ext cx="5742523" cy="1177838"/>
+          </a:xfrm>
+          <a:prstGeom prst="rect">
+            <a:avLst/>
+          </a:prstGeom>
+          <a:noFill/>
+          <a:ln w="6350">
+            <a:solidFill>
+              <a:srgbClr val="CCCCCC"/>
+            </a:solidFill>
+            <a:prstDash val="sysDash"/>
+          </a:ln>
+        </p:spPr>
+        <p:style>
+          <a:lnRef idx="1">
+            <a:schemeClr val="accent1"/>
+          </a:lnRef>
+          <a:fillRef idx="3">
+            <a:schemeClr val="accent1"/>
+          </a:fillRef>
+          <a:effectRef idx="2">
+            <a:schemeClr val="accent1"/>
+          </a:effectRef>
+          <a:fontRef idx="minor">
+            <a:schemeClr val="lt1"/>
+          </a:fontRef>
+        </p:style>
+        <p:txBody>
+          <a:bodyPr rtlCol="0" anchor="ctr"/>
+          <a:lstStyle/>
+          <a:p>
+            <a:pPr algn="ctr"/>
+          </a:p>
+        </p:txBody>
+      </p:sp>
+      <p:sp>
+        <p:nvSpPr>
+          <p:cNvPr id="5" name="Rounded Rectangle 4"/>
+          <p:cNvSpPr/>
+          <p:nvPr/>
+        </p:nvSpPr>
+        <p:spPr>
+          <a:xfrm>
+            <a:off x="0" y="1642262"/>
+            <a:ext cx="24384030" cy="1529151"/>
+          </a:xfrm>
+          <a:prstGeom prst="roundRect">
+            <a:avLst/>
+          </a:prstGeom>
+          <a:solidFill>
+            <a:srgbClr val="FFFFFF"/>
+          </a:solidFill>
+          <a:ln>
+            <a:noFill/>
+          </a:ln>
+        </p:spPr>
+        <p:style>
+          <a:lnRef idx="1">
+            <a:schemeClr val="accent1"/>
+          </a:lnRef>
+          <a:fillRef idx="3">
+            <a:schemeClr val="accent1"/>
+          </a:fillRef>
+          <a:effectRef idx="2">
+            <a:schemeClr val="accent1"/>
+          </a:effectRef>
+          <a:fontRef idx="minor">
+            <a:schemeClr val="lt1"/>
+          </a:fontRef>
+        </p:style>
+        <p:txBody>
+          <a:bodyPr rtlCol="0" anchor="ctr"/>
+          <a:lstStyle/>
+          <a:p>
+            <a:pPr algn="ctr"/>
+          </a:p>
+        </p:txBody>
+      </p:sp>
+      <p:sp>
+        <p:nvSpPr>
+          <p:cNvPr id="6" name="Rounded Rectangle 5"/>
+          <p:cNvSpPr/>
+          <p:nvPr/>
+        </p:nvSpPr>
+        <p:spPr>
+          <a:xfrm>
+            <a:off x="0" y="1678198"/>
+            <a:ext cx="24384030" cy="12037801"/>
+          </a:xfrm>
+          <a:prstGeom prst="roundRect">
+            <a:avLst/>
+          </a:prstGeom>
+          <a:solidFill>
+            <a:srgbClr val="FEC00F"/>
+          </a:solidFill>
+          <a:ln>
+            <a:noFill/>
           </a:ln>
         </p:spPr>
         <p:style>
